--- a/uploads/translated_asdf.pptx
+++ b/uploads/translated_asdf.pptx
@@ -3369,7 +3369,7 @@
             </a:r>
             <a:r>
               <a:rPr/>
-              <a:t>Apple</a:t>
+              <a:t>Pomme</a:t>
             </a:r>
           </a:p>
         </p:txBody>
